--- a/docs/figs/fig2.pptx
+++ b/docs/figs/fig2.pptx
@@ -197,7 +197,7 @@
           <a:p>
             <a:fld id="{D39C1AE3-E0D3-419F-B410-9FEFA2C17F52}" type="datetimeFigureOut">
               <a:rPr lang="en-GB" smtClean="0"/>
-              <a:t>30/11/2019</a:t>
+              <a:t>09/05/2020</a:t>
             </a:fld>
             <a:endParaRPr lang="en-GB"/>
           </a:p>
@@ -356,7 +356,7 @@
           <a:p>
             <a:fld id="{0F7EAF13-06B7-4474-86E9-EFBE586B029A}" type="slidenum">
               <a:rPr lang="en-GB" smtClean="0"/>
-              <a:t>‹#›</a:t>
+              <a:t>‹nr.›</a:t>
             </a:fld>
             <a:endParaRPr lang="en-GB"/>
           </a:p>
@@ -685,7 +685,7 @@
           <a:p>
             <a:fld id="{A77454BF-4A59-44AE-B66D-7E6B93D39995}" type="datetimeFigureOut">
               <a:rPr lang="en-GB" smtClean="0"/>
-              <a:t>30/11/2019</a:t>
+              <a:t>09/05/2020</a:t>
             </a:fld>
             <a:endParaRPr lang="en-GB"/>
           </a:p>
@@ -727,7 +727,7 @@
           <a:p>
             <a:fld id="{74346DBF-FFCB-4F84-B77C-E27F79A8AB4F}" type="slidenum">
               <a:rPr lang="en-GB" smtClean="0"/>
-              <a:t>‹#›</a:t>
+              <a:t>‹nr.›</a:t>
             </a:fld>
             <a:endParaRPr lang="en-GB"/>
           </a:p>
@@ -855,7 +855,7 @@
           <a:p>
             <a:fld id="{A77454BF-4A59-44AE-B66D-7E6B93D39995}" type="datetimeFigureOut">
               <a:rPr lang="en-GB" smtClean="0"/>
-              <a:t>30/11/2019</a:t>
+              <a:t>09/05/2020</a:t>
             </a:fld>
             <a:endParaRPr lang="en-GB"/>
           </a:p>
@@ -897,7 +897,7 @@
           <a:p>
             <a:fld id="{74346DBF-FFCB-4F84-B77C-E27F79A8AB4F}" type="slidenum">
               <a:rPr lang="en-GB" smtClean="0"/>
-              <a:t>‹#›</a:t>
+              <a:t>‹nr.›</a:t>
             </a:fld>
             <a:endParaRPr lang="en-GB"/>
           </a:p>
@@ -1035,7 +1035,7 @@
           <a:p>
             <a:fld id="{A77454BF-4A59-44AE-B66D-7E6B93D39995}" type="datetimeFigureOut">
               <a:rPr lang="en-GB" smtClean="0"/>
-              <a:t>30/11/2019</a:t>
+              <a:t>09/05/2020</a:t>
             </a:fld>
             <a:endParaRPr lang="en-GB"/>
           </a:p>
@@ -1077,7 +1077,7 @@
           <a:p>
             <a:fld id="{74346DBF-FFCB-4F84-B77C-E27F79A8AB4F}" type="slidenum">
               <a:rPr lang="en-GB" smtClean="0"/>
-              <a:t>‹#›</a:t>
+              <a:t>‹nr.›</a:t>
             </a:fld>
             <a:endParaRPr lang="en-GB"/>
           </a:p>
@@ -1205,7 +1205,7 @@
           <a:p>
             <a:fld id="{A77454BF-4A59-44AE-B66D-7E6B93D39995}" type="datetimeFigureOut">
               <a:rPr lang="en-GB" smtClean="0"/>
-              <a:t>30/11/2019</a:t>
+              <a:t>09/05/2020</a:t>
             </a:fld>
             <a:endParaRPr lang="en-GB"/>
           </a:p>
@@ -1247,7 +1247,7 @@
           <a:p>
             <a:fld id="{74346DBF-FFCB-4F84-B77C-E27F79A8AB4F}" type="slidenum">
               <a:rPr lang="en-GB" smtClean="0"/>
-              <a:t>‹#›</a:t>
+              <a:t>‹nr.›</a:t>
             </a:fld>
             <a:endParaRPr lang="en-GB"/>
           </a:p>
@@ -1451,7 +1451,7 @@
           <a:p>
             <a:fld id="{A77454BF-4A59-44AE-B66D-7E6B93D39995}" type="datetimeFigureOut">
               <a:rPr lang="en-GB" smtClean="0"/>
-              <a:t>30/11/2019</a:t>
+              <a:t>09/05/2020</a:t>
             </a:fld>
             <a:endParaRPr lang="en-GB"/>
           </a:p>
@@ -1493,7 +1493,7 @@
           <a:p>
             <a:fld id="{74346DBF-FFCB-4F84-B77C-E27F79A8AB4F}" type="slidenum">
               <a:rPr lang="en-GB" smtClean="0"/>
-              <a:t>‹#›</a:t>
+              <a:t>‹nr.›</a:t>
             </a:fld>
             <a:endParaRPr lang="en-GB"/>
           </a:p>
@@ -1683,7 +1683,7 @@
           <a:p>
             <a:fld id="{A77454BF-4A59-44AE-B66D-7E6B93D39995}" type="datetimeFigureOut">
               <a:rPr lang="en-GB" smtClean="0"/>
-              <a:t>30/11/2019</a:t>
+              <a:t>09/05/2020</a:t>
             </a:fld>
             <a:endParaRPr lang="en-GB"/>
           </a:p>
@@ -1725,7 +1725,7 @@
           <a:p>
             <a:fld id="{74346DBF-FFCB-4F84-B77C-E27F79A8AB4F}" type="slidenum">
               <a:rPr lang="en-GB" smtClean="0"/>
-              <a:t>‹#›</a:t>
+              <a:t>‹nr.›</a:t>
             </a:fld>
             <a:endParaRPr lang="en-GB"/>
           </a:p>
@@ -2050,7 +2050,7 @@
           <a:p>
             <a:fld id="{A77454BF-4A59-44AE-B66D-7E6B93D39995}" type="datetimeFigureOut">
               <a:rPr lang="en-GB" smtClean="0"/>
-              <a:t>30/11/2019</a:t>
+              <a:t>09/05/2020</a:t>
             </a:fld>
             <a:endParaRPr lang="en-GB"/>
           </a:p>
@@ -2092,7 +2092,7 @@
           <a:p>
             <a:fld id="{74346DBF-FFCB-4F84-B77C-E27F79A8AB4F}" type="slidenum">
               <a:rPr lang="en-GB" smtClean="0"/>
-              <a:t>‹#›</a:t>
+              <a:t>‹nr.›</a:t>
             </a:fld>
             <a:endParaRPr lang="en-GB"/>
           </a:p>
@@ -2168,7 +2168,7 @@
           <a:p>
             <a:fld id="{A77454BF-4A59-44AE-B66D-7E6B93D39995}" type="datetimeFigureOut">
               <a:rPr lang="en-GB" smtClean="0"/>
-              <a:t>30/11/2019</a:t>
+              <a:t>09/05/2020</a:t>
             </a:fld>
             <a:endParaRPr lang="en-GB"/>
           </a:p>
@@ -2210,7 +2210,7 @@
           <a:p>
             <a:fld id="{74346DBF-FFCB-4F84-B77C-E27F79A8AB4F}" type="slidenum">
               <a:rPr lang="en-GB" smtClean="0"/>
-              <a:t>‹#›</a:t>
+              <a:t>‹nr.›</a:t>
             </a:fld>
             <a:endParaRPr lang="en-GB"/>
           </a:p>
@@ -2263,7 +2263,7 @@
           <a:p>
             <a:fld id="{A77454BF-4A59-44AE-B66D-7E6B93D39995}" type="datetimeFigureOut">
               <a:rPr lang="en-GB" smtClean="0"/>
-              <a:t>30/11/2019</a:t>
+              <a:t>09/05/2020</a:t>
             </a:fld>
             <a:endParaRPr lang="en-GB"/>
           </a:p>
@@ -2305,7 +2305,7 @@
           <a:p>
             <a:fld id="{74346DBF-FFCB-4F84-B77C-E27F79A8AB4F}" type="slidenum">
               <a:rPr lang="en-GB" smtClean="0"/>
-              <a:t>‹#›</a:t>
+              <a:t>‹nr.›</a:t>
             </a:fld>
             <a:endParaRPr lang="en-GB"/>
           </a:p>
@@ -2540,7 +2540,7 @@
           <a:p>
             <a:fld id="{A77454BF-4A59-44AE-B66D-7E6B93D39995}" type="datetimeFigureOut">
               <a:rPr lang="en-GB" smtClean="0"/>
-              <a:t>30/11/2019</a:t>
+              <a:t>09/05/2020</a:t>
             </a:fld>
             <a:endParaRPr lang="en-GB"/>
           </a:p>
@@ -2582,7 +2582,7 @@
           <a:p>
             <a:fld id="{74346DBF-FFCB-4F84-B77C-E27F79A8AB4F}" type="slidenum">
               <a:rPr lang="en-GB" smtClean="0"/>
-              <a:t>‹#›</a:t>
+              <a:t>‹nr.›</a:t>
             </a:fld>
             <a:endParaRPr lang="en-GB"/>
           </a:p>
@@ -2797,7 +2797,7 @@
           <a:p>
             <a:fld id="{A77454BF-4A59-44AE-B66D-7E6B93D39995}" type="datetimeFigureOut">
               <a:rPr lang="en-GB" smtClean="0"/>
-              <a:t>30/11/2019</a:t>
+              <a:t>09/05/2020</a:t>
             </a:fld>
             <a:endParaRPr lang="en-GB"/>
           </a:p>
@@ -2839,7 +2839,7 @@
           <a:p>
             <a:fld id="{74346DBF-FFCB-4F84-B77C-E27F79A8AB4F}" type="slidenum">
               <a:rPr lang="en-GB" smtClean="0"/>
-              <a:t>‹#›</a:t>
+              <a:t>‹nr.›</a:t>
             </a:fld>
             <a:endParaRPr lang="en-GB"/>
           </a:p>
@@ -3010,7 +3010,7 @@
           <a:p>
             <a:fld id="{A77454BF-4A59-44AE-B66D-7E6B93D39995}" type="datetimeFigureOut">
               <a:rPr lang="en-GB" smtClean="0"/>
-              <a:t>30/11/2019</a:t>
+              <a:t>09/05/2020</a:t>
             </a:fld>
             <a:endParaRPr lang="en-GB"/>
           </a:p>
@@ -3088,7 +3088,7 @@
           <a:p>
             <a:fld id="{74346DBF-FFCB-4F84-B77C-E27F79A8AB4F}" type="slidenum">
               <a:rPr lang="en-GB" smtClean="0"/>
-              <a:t>‹#›</a:t>
+              <a:t>‹nr.›</a:t>
             </a:fld>
             <a:endParaRPr lang="en-GB"/>
           </a:p>
@@ -6416,7 +6416,7 @@
           <p:spPr>
             <a:xfrm>
               <a:off x="8797189" y="6760771"/>
-              <a:ext cx="1143262" cy="276999"/>
+              <a:ext cx="1427122" cy="276999"/>
             </a:xfrm>
             <a:prstGeom prst="rect">
               <a:avLst/>
@@ -6431,15 +6431,7 @@
             <a:p>
               <a:r>
                 <a:rPr lang="en-GB" sz="1200" dirty="0"/>
-                <a:t>N</a:t>
-              </a:r>
-              <a:r>
-                <a:rPr lang="en-GB" sz="1200" u="sng" dirty="0"/>
-                <a:t>&gt;</a:t>
-              </a:r>
-              <a:r>
-                <a:rPr lang="en-GB" sz="1200" dirty="0"/>
-                <a:t>100 samples</a:t>
+                <a:t>Up to 1000 samples</a:t>
               </a:r>
               <a:endParaRPr lang="en-NL" sz="1200" dirty="0"/>
             </a:p>
@@ -6774,20 +6766,16 @@
             <a:lstStyle/>
             <a:p>
               <a:r>
-                <a:rPr lang="en-GB" sz="1200"/>
+                <a:rPr lang="en-GB" sz="1200" dirty="0"/>
                 <a:t>N</a:t>
               </a:r>
               <a:r>
-                <a:rPr lang="en-GB" sz="1200" u="sng"/>
+                <a:rPr lang="en-GB" sz="1200" u="sng" dirty="0"/>
                 <a:t>&gt;</a:t>
               </a:r>
               <a:r>
-                <a:rPr lang="en-GB" sz="1200"/>
-                <a:t>1000 </a:t>
-              </a:r>
-              <a:r>
                 <a:rPr lang="en-GB" sz="1200" dirty="0"/>
-                <a:t>samples</a:t>
+                <a:t>1000 samples</a:t>
               </a:r>
               <a:endParaRPr lang="en-NL" sz="1200" dirty="0"/>
             </a:p>
